--- a/.lessons (az)/49 Jira/JIRA.pptx
+++ b/.lessons (az)/49 Jira/JIRA.pptx
@@ -10119,7 +10119,7 @@
             </a:pPr>
             <a:r>
               <a:rPr lang="az-Latn-AZ" sz="1600"/>
-              <a:t>Əgər şəkil əlavə etmək lazımdırsa onda, problemli yerin şəklini çəkdikdən sonra dəqiq şəkildə məsələn qırmızı kvadrat ilə işarıtləmək lazımdırki tam başa düşülən olsun. Video şəkmək lazımdırsa onda, 30 saniyədən artıq video çəkməməyə çalışın.</a:t>
+              <a:t>Əgər şəkil əlavə etmək lazımdırsa onda, problemli yerin şəklini çəkdikdən sonra dəqiq şəkildə məsələn qırmızı kvadrat ilə həmin yeri işarətləmək lazımdırki tam başa düşülən olsun. Video şəkmək lazımdırsa əgər onda, 30 saniyədən artıq video çəkməməyə çalışın.</a:t>
             </a:r>
             <a:endParaRPr lang="en-US" sz="1600"/>
           </a:p>
